--- a/Reference materials/Advanced JAVA/Servlets/1 Servlets.pptx
+++ b/Reference materials/Advanced JAVA/Servlets/1 Servlets.pptx
@@ -221,7 +221,7 @@
           <a:p>
             <a:fld id="{CBDFB359-B0C7-4C2A-B5E6-DC0AAC7DC740}" type="datetimeFigureOut">
               <a:rPr lang="en-IN" smtClean="0"/>
-              <a:t>20-05-2021</a:t>
+              <a:t>26-05-2021</a:t>
             </a:fld>
             <a:endParaRPr lang="en-IN"/>
           </a:p>
@@ -285,35 +285,35 @@
           <a:p>
             <a:pPr lvl="0"/>
             <a:r>
-              <a:rPr lang="en-US" smtClean="0"/>
+              <a:rPr lang="en-US"/>
               <a:t>Click to edit Master text styles</a:t>
             </a:r>
           </a:p>
           <a:p>
             <a:pPr lvl="1"/>
             <a:r>
-              <a:rPr lang="en-US" smtClean="0"/>
+              <a:rPr lang="en-US"/>
               <a:t>Second level</a:t>
             </a:r>
           </a:p>
           <a:p>
             <a:pPr lvl="2"/>
             <a:r>
-              <a:rPr lang="en-US" smtClean="0"/>
+              <a:rPr lang="en-US"/>
               <a:t>Third level</a:t>
             </a:r>
           </a:p>
           <a:p>
             <a:pPr lvl="3"/>
             <a:r>
-              <a:rPr lang="en-US" smtClean="0"/>
+              <a:rPr lang="en-US"/>
               <a:t>Fourth level</a:t>
             </a:r>
           </a:p>
           <a:p>
             <a:pPr lvl="4"/>
             <a:r>
-              <a:rPr lang="en-US" smtClean="0"/>
+              <a:rPr lang="en-US"/>
               <a:t>Fifth level</a:t>
             </a:r>
             <a:endParaRPr lang="en-IN"/>
@@ -659,10 +659,9 @@
           </a:lstStyle>
           <a:p>
             <a:r>
-              <a:rPr kumimoji="0" lang="en-US" smtClean="0"/>
+              <a:rPr kumimoji="0" lang="en-US"/>
               <a:t>Click to edit Master subtitle style</a:t>
             </a:r>
-            <a:endParaRPr kumimoji="0" lang="en-US"/>
           </a:p>
         </p:txBody>
       </p:sp>
@@ -684,7 +683,7 @@
             <a:fld id="{1D8BD707-D9CF-40AE-B4C6-C98DA3205C09}" type="datetimeFigureOut">
               <a:rPr lang="en-US" smtClean="0"/>
               <a:pPr/>
-              <a:t>5/20/2021</a:t>
+              <a:t>5/26/2021</a:t>
             </a:fld>
             <a:endParaRPr lang="en-US"/>
           </a:p>
@@ -914,10 +913,9 @@
           </a:lstStyle>
           <a:p>
             <a:r>
-              <a:rPr kumimoji="0" lang="en-US" smtClean="0"/>
+              <a:rPr kumimoji="0" lang="en-US"/>
               <a:t>Click to edit Master title style</a:t>
             </a:r>
-            <a:endParaRPr kumimoji="0" lang="en-US"/>
           </a:p>
         </p:txBody>
       </p:sp>
@@ -962,10 +960,9 @@
           <a:lstStyle/>
           <a:p>
             <a:r>
-              <a:rPr kumimoji="0" lang="en-US" smtClean="0"/>
+              <a:rPr kumimoji="0" lang="en-US"/>
               <a:t>Click to edit Master title style</a:t>
             </a:r>
-            <a:endParaRPr kumimoji="0" lang="en-US"/>
           </a:p>
         </p:txBody>
       </p:sp>
@@ -986,35 +983,35 @@
           <a:p>
             <a:pPr lvl="0" eaLnBrk="1" latinLnBrk="0" hangingPunct="1"/>
             <a:r>
-              <a:rPr lang="en-US" smtClean="0"/>
+              <a:rPr lang="en-US"/>
               <a:t>Click to edit Master text styles</a:t>
             </a:r>
           </a:p>
           <a:p>
             <a:pPr lvl="1" eaLnBrk="1" latinLnBrk="0" hangingPunct="1"/>
             <a:r>
-              <a:rPr lang="en-US" smtClean="0"/>
+              <a:rPr lang="en-US"/>
               <a:t>Second level</a:t>
             </a:r>
           </a:p>
           <a:p>
             <a:pPr lvl="2" eaLnBrk="1" latinLnBrk="0" hangingPunct="1"/>
             <a:r>
-              <a:rPr lang="en-US" smtClean="0"/>
+              <a:rPr lang="en-US"/>
               <a:t>Third level</a:t>
             </a:r>
           </a:p>
           <a:p>
             <a:pPr lvl="3" eaLnBrk="1" latinLnBrk="0" hangingPunct="1"/>
             <a:r>
-              <a:rPr lang="en-US" smtClean="0"/>
+              <a:rPr lang="en-US"/>
               <a:t>Fourth level</a:t>
             </a:r>
           </a:p>
           <a:p>
             <a:pPr lvl="4" eaLnBrk="1" latinLnBrk="0" hangingPunct="1"/>
             <a:r>
-              <a:rPr lang="en-US" smtClean="0"/>
+              <a:rPr lang="en-US"/>
               <a:t>Fifth level</a:t>
             </a:r>
             <a:endParaRPr kumimoji="0" lang="en-US"/>
@@ -1039,7 +1036,7 @@
             <a:fld id="{1D8BD707-D9CF-40AE-B4C6-C98DA3205C09}" type="datetimeFigureOut">
               <a:rPr lang="en-US" smtClean="0"/>
               <a:pPr/>
-              <a:t>5/20/2021</a:t>
+              <a:t>5/26/2021</a:t>
             </a:fld>
             <a:endParaRPr lang="en-US"/>
           </a:p>
@@ -1134,10 +1131,9 @@
           <a:lstStyle/>
           <a:p>
             <a:r>
-              <a:rPr kumimoji="0" lang="en-US" smtClean="0"/>
+              <a:rPr kumimoji="0" lang="en-US"/>
               <a:t>Click to edit Master title style</a:t>
             </a:r>
-            <a:endParaRPr kumimoji="0" lang="en-US"/>
           </a:p>
         </p:txBody>
       </p:sp>
@@ -1163,35 +1159,35 @@
           <a:p>
             <a:pPr lvl="0" eaLnBrk="1" latinLnBrk="0" hangingPunct="1"/>
             <a:r>
-              <a:rPr lang="en-US" smtClean="0"/>
+              <a:rPr lang="en-US"/>
               <a:t>Click to edit Master text styles</a:t>
             </a:r>
           </a:p>
           <a:p>
             <a:pPr lvl="1" eaLnBrk="1" latinLnBrk="0" hangingPunct="1"/>
             <a:r>
-              <a:rPr lang="en-US" smtClean="0"/>
+              <a:rPr lang="en-US"/>
               <a:t>Second level</a:t>
             </a:r>
           </a:p>
           <a:p>
             <a:pPr lvl="2" eaLnBrk="1" latinLnBrk="0" hangingPunct="1"/>
             <a:r>
-              <a:rPr lang="en-US" smtClean="0"/>
+              <a:rPr lang="en-US"/>
               <a:t>Third level</a:t>
             </a:r>
           </a:p>
           <a:p>
             <a:pPr lvl="3" eaLnBrk="1" latinLnBrk="0" hangingPunct="1"/>
             <a:r>
-              <a:rPr lang="en-US" smtClean="0"/>
+              <a:rPr lang="en-US"/>
               <a:t>Fourth level</a:t>
             </a:r>
           </a:p>
           <a:p>
             <a:pPr lvl="4" eaLnBrk="1" latinLnBrk="0" hangingPunct="1"/>
             <a:r>
-              <a:rPr lang="en-US" smtClean="0"/>
+              <a:rPr lang="en-US"/>
               <a:t>Fifth level</a:t>
             </a:r>
             <a:endParaRPr kumimoji="0" lang="en-US"/>
@@ -1216,7 +1212,7 @@
             <a:fld id="{1D8BD707-D9CF-40AE-B4C6-C98DA3205C09}" type="datetimeFigureOut">
               <a:rPr lang="en-US" smtClean="0"/>
               <a:pPr/>
-              <a:t>5/20/2021</a:t>
+              <a:t>5/26/2021</a:t>
             </a:fld>
             <a:endParaRPr lang="en-US"/>
           </a:p>
@@ -1306,10 +1302,9 @@
           <a:lstStyle/>
           <a:p>
             <a:r>
-              <a:rPr kumimoji="0" lang="en-US" smtClean="0"/>
+              <a:rPr kumimoji="0" lang="en-US"/>
               <a:t>Click to edit Master title style</a:t>
             </a:r>
-            <a:endParaRPr kumimoji="0" lang="en-US"/>
           </a:p>
         </p:txBody>
       </p:sp>
@@ -1331,7 +1326,7 @@
             <a:fld id="{1D8BD707-D9CF-40AE-B4C6-C98DA3205C09}" type="datetimeFigureOut">
               <a:rPr lang="en-US" smtClean="0"/>
               <a:pPr/>
-              <a:t>5/20/2021</a:t>
+              <a:t>5/26/2021</a:t>
             </a:fld>
             <a:endParaRPr lang="en-US"/>
           </a:p>
@@ -1402,35 +1397,35 @@
           <a:p>
             <a:pPr lvl="0" eaLnBrk="1" latinLnBrk="0" hangingPunct="1"/>
             <a:r>
-              <a:rPr lang="en-US" smtClean="0"/>
+              <a:rPr lang="en-US"/>
               <a:t>Click to edit Master text styles</a:t>
             </a:r>
           </a:p>
           <a:p>
             <a:pPr lvl="1" eaLnBrk="1" latinLnBrk="0" hangingPunct="1"/>
             <a:r>
-              <a:rPr lang="en-US" smtClean="0"/>
+              <a:rPr lang="en-US"/>
               <a:t>Second level</a:t>
             </a:r>
           </a:p>
           <a:p>
             <a:pPr lvl="2" eaLnBrk="1" latinLnBrk="0" hangingPunct="1"/>
             <a:r>
-              <a:rPr lang="en-US" smtClean="0"/>
+              <a:rPr lang="en-US"/>
               <a:t>Third level</a:t>
             </a:r>
           </a:p>
           <a:p>
             <a:pPr lvl="3" eaLnBrk="1" latinLnBrk="0" hangingPunct="1"/>
             <a:r>
-              <a:rPr lang="en-US" smtClean="0"/>
+              <a:rPr lang="en-US"/>
               <a:t>Fourth level</a:t>
             </a:r>
           </a:p>
           <a:p>
             <a:pPr lvl="4" eaLnBrk="1" latinLnBrk="0" hangingPunct="1"/>
             <a:r>
-              <a:rPr lang="en-US" smtClean="0"/>
+              <a:rPr lang="en-US"/>
               <a:t>Fifth level</a:t>
             </a:r>
             <a:endParaRPr kumimoji="0" lang="en-US"/>
@@ -1587,10 +1582,9 @@
           </a:lstStyle>
           <a:p>
             <a:r>
-              <a:rPr kumimoji="0" lang="en-US" smtClean="0"/>
+              <a:rPr kumimoji="0" lang="en-US"/>
               <a:t>Click to edit Master title style</a:t>
             </a:r>
-            <a:endParaRPr kumimoji="0" lang="en-US"/>
           </a:p>
         </p:txBody>
       </p:sp>
@@ -1667,7 +1661,7 @@
           <a:p>
             <a:pPr lvl="0" eaLnBrk="1" latinLnBrk="0" hangingPunct="1"/>
             <a:r>
-              <a:rPr kumimoji="0" lang="en-US" smtClean="0"/>
+              <a:rPr kumimoji="0" lang="en-US"/>
               <a:t>Click to edit Master text styles</a:t>
             </a:r>
           </a:p>
@@ -1691,7 +1685,7 @@
             <a:fld id="{1D8BD707-D9CF-40AE-B4C6-C98DA3205C09}" type="datetimeFigureOut">
               <a:rPr lang="en-US" smtClean="0"/>
               <a:pPr/>
-              <a:t>5/20/2021</a:t>
+              <a:t>5/26/2021</a:t>
             </a:fld>
             <a:endParaRPr lang="en-US"/>
           </a:p>
@@ -1933,10 +1927,9 @@
           <a:lstStyle/>
           <a:p>
             <a:r>
-              <a:rPr kumimoji="0" lang="en-US" smtClean="0"/>
+              <a:rPr kumimoji="0" lang="en-US"/>
               <a:t>Click to edit Master title style</a:t>
             </a:r>
-            <a:endParaRPr kumimoji="0" lang="en-US"/>
           </a:p>
         </p:txBody>
       </p:sp>
@@ -1958,7 +1951,7 @@
             <a:fld id="{1D8BD707-D9CF-40AE-B4C6-C98DA3205C09}" type="datetimeFigureOut">
               <a:rPr lang="en-US" smtClean="0"/>
               <a:pPr/>
-              <a:t>5/20/2021</a:t>
+              <a:t>5/26/2021</a:t>
             </a:fld>
             <a:endParaRPr lang="en-US"/>
           </a:p>
@@ -2029,35 +2022,35 @@
           <a:p>
             <a:pPr lvl="0" eaLnBrk="1" latinLnBrk="0" hangingPunct="1"/>
             <a:r>
-              <a:rPr lang="en-US" smtClean="0"/>
+              <a:rPr lang="en-US"/>
               <a:t>Click to edit Master text styles</a:t>
             </a:r>
           </a:p>
           <a:p>
             <a:pPr lvl="1" eaLnBrk="1" latinLnBrk="0" hangingPunct="1"/>
             <a:r>
-              <a:rPr lang="en-US" smtClean="0"/>
+              <a:rPr lang="en-US"/>
               <a:t>Second level</a:t>
             </a:r>
           </a:p>
           <a:p>
             <a:pPr lvl="2" eaLnBrk="1" latinLnBrk="0" hangingPunct="1"/>
             <a:r>
-              <a:rPr lang="en-US" smtClean="0"/>
+              <a:rPr lang="en-US"/>
               <a:t>Third level</a:t>
             </a:r>
           </a:p>
           <a:p>
             <a:pPr lvl="3" eaLnBrk="1" latinLnBrk="0" hangingPunct="1"/>
             <a:r>
-              <a:rPr lang="en-US" smtClean="0"/>
+              <a:rPr lang="en-US"/>
               <a:t>Fourth level</a:t>
             </a:r>
           </a:p>
           <a:p>
             <a:pPr lvl="4" eaLnBrk="1" latinLnBrk="0" hangingPunct="1"/>
             <a:r>
-              <a:rPr lang="en-US" smtClean="0"/>
+              <a:rPr lang="en-US"/>
               <a:t>Fifth level</a:t>
             </a:r>
             <a:endParaRPr kumimoji="0" lang="en-US"/>
@@ -2086,35 +2079,35 @@
           <a:p>
             <a:pPr lvl="0" eaLnBrk="1" latinLnBrk="0" hangingPunct="1"/>
             <a:r>
-              <a:rPr lang="en-US" smtClean="0"/>
+              <a:rPr lang="en-US"/>
               <a:t>Click to edit Master text styles</a:t>
             </a:r>
           </a:p>
           <a:p>
             <a:pPr lvl="1" eaLnBrk="1" latinLnBrk="0" hangingPunct="1"/>
             <a:r>
-              <a:rPr lang="en-US" smtClean="0"/>
+              <a:rPr lang="en-US"/>
               <a:t>Second level</a:t>
             </a:r>
           </a:p>
           <a:p>
             <a:pPr lvl="2" eaLnBrk="1" latinLnBrk="0" hangingPunct="1"/>
             <a:r>
-              <a:rPr lang="en-US" smtClean="0"/>
+              <a:rPr lang="en-US"/>
               <a:t>Third level</a:t>
             </a:r>
           </a:p>
           <a:p>
             <a:pPr lvl="3" eaLnBrk="1" latinLnBrk="0" hangingPunct="1"/>
             <a:r>
-              <a:rPr lang="en-US" smtClean="0"/>
+              <a:rPr lang="en-US"/>
               <a:t>Fourth level</a:t>
             </a:r>
           </a:p>
           <a:p>
             <a:pPr lvl="4" eaLnBrk="1" latinLnBrk="0" hangingPunct="1"/>
             <a:r>
-              <a:rPr lang="en-US" smtClean="0"/>
+              <a:rPr lang="en-US"/>
               <a:t>Fifth level</a:t>
             </a:r>
             <a:endParaRPr kumimoji="0" lang="en-US"/>
@@ -2171,10 +2164,9 @@
           </a:lstStyle>
           <a:p>
             <a:r>
-              <a:rPr kumimoji="0" lang="en-US" smtClean="0"/>
+              <a:rPr kumimoji="0" lang="en-US"/>
               <a:t>Click to edit Master title style</a:t>
             </a:r>
-            <a:endParaRPr kumimoji="0" lang="en-US"/>
           </a:p>
         </p:txBody>
       </p:sp>
@@ -2235,7 +2227,7 @@
           <a:p>
             <a:pPr lvl="0" eaLnBrk="1" latinLnBrk="0" hangingPunct="1"/>
             <a:r>
-              <a:rPr kumimoji="0" lang="en-US" smtClean="0"/>
+              <a:rPr kumimoji="0" lang="en-US"/>
               <a:t>Click to edit Master text styles</a:t>
             </a:r>
           </a:p>
@@ -2298,7 +2290,7 @@
           <a:p>
             <a:pPr lvl="0" eaLnBrk="1" latinLnBrk="0" hangingPunct="1"/>
             <a:r>
-              <a:rPr kumimoji="0" lang="en-US" smtClean="0"/>
+              <a:rPr kumimoji="0" lang="en-US"/>
               <a:t>Click to edit Master text styles</a:t>
             </a:r>
           </a:p>
@@ -2322,7 +2314,7 @@
             <a:fld id="{1D8BD707-D9CF-40AE-B4C6-C98DA3205C09}" type="datetimeFigureOut">
               <a:rPr lang="en-US" smtClean="0"/>
               <a:pPr/>
-              <a:t>5/20/2021</a:t>
+              <a:t>5/26/2021</a:t>
             </a:fld>
             <a:endParaRPr lang="en-US"/>
           </a:p>
@@ -2393,35 +2385,35 @@
           <a:p>
             <a:pPr lvl="0" eaLnBrk="1" latinLnBrk="0" hangingPunct="1"/>
             <a:r>
-              <a:rPr lang="en-US" smtClean="0"/>
+              <a:rPr lang="en-US"/>
               <a:t>Click to edit Master text styles</a:t>
             </a:r>
           </a:p>
           <a:p>
             <a:pPr lvl="1" eaLnBrk="1" latinLnBrk="0" hangingPunct="1"/>
             <a:r>
-              <a:rPr lang="en-US" smtClean="0"/>
+              <a:rPr lang="en-US"/>
               <a:t>Second level</a:t>
             </a:r>
           </a:p>
           <a:p>
             <a:pPr lvl="2" eaLnBrk="1" latinLnBrk="0" hangingPunct="1"/>
             <a:r>
-              <a:rPr lang="en-US" smtClean="0"/>
+              <a:rPr lang="en-US"/>
               <a:t>Third level</a:t>
             </a:r>
           </a:p>
           <a:p>
             <a:pPr lvl="3" eaLnBrk="1" latinLnBrk="0" hangingPunct="1"/>
             <a:r>
-              <a:rPr lang="en-US" smtClean="0"/>
+              <a:rPr lang="en-US"/>
               <a:t>Fourth level</a:t>
             </a:r>
           </a:p>
           <a:p>
             <a:pPr lvl="4" eaLnBrk="1" latinLnBrk="0" hangingPunct="1"/>
             <a:r>
-              <a:rPr lang="en-US" smtClean="0"/>
+              <a:rPr lang="en-US"/>
               <a:t>Fifth level</a:t>
             </a:r>
             <a:endParaRPr kumimoji="0" lang="en-US"/>
@@ -2450,35 +2442,35 @@
           <a:p>
             <a:pPr lvl="0" eaLnBrk="1" latinLnBrk="0" hangingPunct="1"/>
             <a:r>
-              <a:rPr lang="en-US" smtClean="0"/>
+              <a:rPr lang="en-US"/>
               <a:t>Click to edit Master text styles</a:t>
             </a:r>
           </a:p>
           <a:p>
             <a:pPr lvl="1" eaLnBrk="1" latinLnBrk="0" hangingPunct="1"/>
             <a:r>
-              <a:rPr lang="en-US" smtClean="0"/>
+              <a:rPr lang="en-US"/>
               <a:t>Second level</a:t>
             </a:r>
           </a:p>
           <a:p>
             <a:pPr lvl="2" eaLnBrk="1" latinLnBrk="0" hangingPunct="1"/>
             <a:r>
-              <a:rPr lang="en-US" smtClean="0"/>
+              <a:rPr lang="en-US"/>
               <a:t>Third level</a:t>
             </a:r>
           </a:p>
           <a:p>
             <a:pPr lvl="3" eaLnBrk="1" latinLnBrk="0" hangingPunct="1"/>
             <a:r>
-              <a:rPr lang="en-US" smtClean="0"/>
+              <a:rPr lang="en-US"/>
               <a:t>Fourth level</a:t>
             </a:r>
           </a:p>
           <a:p>
             <a:pPr lvl="4" eaLnBrk="1" latinLnBrk="0" hangingPunct="1"/>
             <a:r>
-              <a:rPr lang="en-US" smtClean="0"/>
+              <a:rPr lang="en-US"/>
               <a:t>Fifth level</a:t>
             </a:r>
             <a:endParaRPr kumimoji="0" lang="en-US"/>
@@ -2526,10 +2518,9 @@
           <a:lstStyle/>
           <a:p>
             <a:r>
-              <a:rPr kumimoji="0" lang="en-US" smtClean="0"/>
+              <a:rPr kumimoji="0" lang="en-US"/>
               <a:t>Click to edit Master title style</a:t>
             </a:r>
-            <a:endParaRPr kumimoji="0" lang="en-US"/>
           </a:p>
         </p:txBody>
       </p:sp>
@@ -2551,7 +2542,7 @@
             <a:fld id="{1D8BD707-D9CF-40AE-B4C6-C98DA3205C09}" type="datetimeFigureOut">
               <a:rPr lang="en-US" smtClean="0"/>
               <a:pPr/>
-              <a:t>5/20/2021</a:t>
+              <a:t>5/26/2021</a:t>
             </a:fld>
             <a:endParaRPr lang="en-US"/>
           </a:p>
@@ -2643,7 +2634,7 @@
             <a:fld id="{1D8BD707-D9CF-40AE-B4C6-C98DA3205C09}" type="datetimeFigureOut">
               <a:rPr lang="en-US" smtClean="0"/>
               <a:pPr/>
-              <a:t>5/20/2021</a:t>
+              <a:t>5/26/2021</a:t>
             </a:fld>
             <a:endParaRPr lang="en-US"/>
           </a:p>
@@ -2838,10 +2829,9 @@
           </a:lstStyle>
           <a:p>
             <a:r>
-              <a:rPr kumimoji="0" lang="en-US" smtClean="0"/>
+              <a:rPr kumimoji="0" lang="en-US"/>
               <a:t>Click to edit Master title style</a:t>
             </a:r>
-            <a:endParaRPr kumimoji="0" lang="en-US"/>
           </a:p>
         </p:txBody>
       </p:sp>
@@ -2888,7 +2878,7 @@
           <a:p>
             <a:pPr lvl="0" eaLnBrk="1" latinLnBrk="0" hangingPunct="1"/>
             <a:r>
-              <a:rPr kumimoji="0" lang="en-US" smtClean="0"/>
+              <a:rPr kumimoji="0" lang="en-US"/>
               <a:t>Click to edit Master text styles</a:t>
             </a:r>
           </a:p>
@@ -2912,7 +2902,7 @@
             <a:fld id="{1D8BD707-D9CF-40AE-B4C6-C98DA3205C09}" type="datetimeFigureOut">
               <a:rPr lang="en-US" smtClean="0"/>
               <a:pPr/>
-              <a:t>5/20/2021</a:t>
+              <a:t>5/26/2021</a:t>
             </a:fld>
             <a:endParaRPr lang="en-US"/>
           </a:p>
@@ -2983,35 +2973,35 @@
           <a:p>
             <a:pPr lvl="0" eaLnBrk="1" latinLnBrk="0" hangingPunct="1"/>
             <a:r>
-              <a:rPr lang="en-US" smtClean="0"/>
+              <a:rPr lang="en-US"/>
               <a:t>Click to edit Master text styles</a:t>
             </a:r>
           </a:p>
           <a:p>
             <a:pPr lvl="1" eaLnBrk="1" latinLnBrk="0" hangingPunct="1"/>
             <a:r>
-              <a:rPr lang="en-US" smtClean="0"/>
+              <a:rPr lang="en-US"/>
               <a:t>Second level</a:t>
             </a:r>
           </a:p>
           <a:p>
             <a:pPr lvl="2" eaLnBrk="1" latinLnBrk="0" hangingPunct="1"/>
             <a:r>
-              <a:rPr lang="en-US" smtClean="0"/>
+              <a:rPr lang="en-US"/>
               <a:t>Third level</a:t>
             </a:r>
           </a:p>
           <a:p>
             <a:pPr lvl="3" eaLnBrk="1" latinLnBrk="0" hangingPunct="1"/>
             <a:r>
-              <a:rPr lang="en-US" smtClean="0"/>
+              <a:rPr lang="en-US"/>
               <a:t>Fourth level</a:t>
             </a:r>
           </a:p>
           <a:p>
             <a:pPr lvl="4" eaLnBrk="1" latinLnBrk="0" hangingPunct="1"/>
             <a:r>
-              <a:rPr lang="en-US" smtClean="0"/>
+              <a:rPr lang="en-US"/>
               <a:t>Fifth level</a:t>
             </a:r>
             <a:endParaRPr kumimoji="0" lang="en-US"/>
@@ -3071,10 +3061,9 @@
           </a:lstStyle>
           <a:p>
             <a:r>
-              <a:rPr kumimoji="0" lang="en-US" smtClean="0"/>
+              <a:rPr kumimoji="0" lang="en-US"/>
               <a:t>Click to edit Master title style</a:t>
             </a:r>
-            <a:endParaRPr kumimoji="0" lang="en-US"/>
           </a:p>
         </p:txBody>
       </p:sp>
@@ -3118,7 +3107,7 @@
           <a:p>
             <a:pPr lvl="0" eaLnBrk="1" latinLnBrk="0" hangingPunct="1"/>
             <a:r>
-              <a:rPr kumimoji="0" lang="en-US" smtClean="0"/>
+              <a:rPr kumimoji="0" lang="en-US"/>
               <a:t>Click to edit Master text styles</a:t>
             </a:r>
           </a:p>
@@ -3142,7 +3131,7 @@
             <a:fld id="{1D8BD707-D9CF-40AE-B4C6-C98DA3205C09}" type="datetimeFigureOut">
               <a:rPr lang="en-US" smtClean="0"/>
               <a:pPr/>
-              <a:t>5/20/2021</a:t>
+              <a:t>5/26/2021</a:t>
             </a:fld>
             <a:endParaRPr lang="en-US"/>
           </a:p>
@@ -3383,7 +3372,7 @@
           </a:lstStyle>
           <a:p>
             <a:r>
-              <a:rPr kumimoji="0" lang="en-US" smtClean="0"/>
+              <a:rPr kumimoji="0" lang="en-US"/>
               <a:t>Click icon to add picture</a:t>
             </a:r>
             <a:endParaRPr kumimoji="0" lang="en-US" dirty="0"/>
@@ -3540,10 +3529,9 @@
           <a:lstStyle/>
           <a:p>
             <a:r>
-              <a:rPr kumimoji="0" lang="en-US" smtClean="0"/>
+              <a:rPr kumimoji="0" lang="en-US"/>
               <a:t>Click to edit Master title style</a:t>
             </a:r>
-            <a:endParaRPr kumimoji="0" lang="en-US"/>
           </a:p>
         </p:txBody>
       </p:sp>
@@ -3574,38 +3562,37 @@
           <a:p>
             <a:pPr lvl="0" eaLnBrk="1" latinLnBrk="0" hangingPunct="1"/>
             <a:r>
-              <a:rPr kumimoji="0" lang="en-US" smtClean="0"/>
+              <a:rPr kumimoji="0" lang="en-US"/>
               <a:t>Click to edit Master text styles</a:t>
             </a:r>
           </a:p>
           <a:p>
             <a:pPr lvl="1" eaLnBrk="1" latinLnBrk="0" hangingPunct="1"/>
             <a:r>
-              <a:rPr kumimoji="0" lang="en-US" smtClean="0"/>
+              <a:rPr kumimoji="0" lang="en-US"/>
               <a:t>Second level</a:t>
             </a:r>
           </a:p>
           <a:p>
             <a:pPr lvl="2" eaLnBrk="1" latinLnBrk="0" hangingPunct="1"/>
             <a:r>
-              <a:rPr kumimoji="0" lang="en-US" smtClean="0"/>
+              <a:rPr kumimoji="0" lang="en-US"/>
               <a:t>Third level</a:t>
             </a:r>
           </a:p>
           <a:p>
             <a:pPr lvl="3" eaLnBrk="1" latinLnBrk="0" hangingPunct="1"/>
             <a:r>
-              <a:rPr kumimoji="0" lang="en-US" smtClean="0"/>
+              <a:rPr kumimoji="0" lang="en-US"/>
               <a:t>Fourth level</a:t>
             </a:r>
           </a:p>
           <a:p>
             <a:pPr lvl="4" eaLnBrk="1" latinLnBrk="0" hangingPunct="1"/>
             <a:r>
-              <a:rPr kumimoji="0" lang="en-US" smtClean="0"/>
+              <a:rPr kumimoji="0" lang="en-US"/>
               <a:t>Fifth level</a:t>
             </a:r>
-            <a:endParaRPr kumimoji="0" lang="en-US"/>
           </a:p>
         </p:txBody>
       </p:sp>
@@ -3643,7 +3630,7 @@
             <a:fld id="{1D8BD707-D9CF-40AE-B4C6-C98DA3205C09}" type="datetimeFigureOut">
               <a:rPr lang="en-US" smtClean="0"/>
               <a:pPr/>
-              <a:t>5/20/2021</a:t>
+              <a:t>5/26/2021</a:t>
             </a:fld>
             <a:endParaRPr lang="en-US"/>
           </a:p>
@@ -4083,10 +4070,9 @@
           <a:lstStyle/>
           <a:p>
             <a:r>
-              <a:rPr lang="en-IN" dirty="0" smtClean="0"/>
+              <a:rPr lang="en-IN" dirty="0"/>
               <a:t>Servlets</a:t>
             </a:r>
-            <a:endParaRPr lang="en-IN" dirty="0"/>
           </a:p>
         </p:txBody>
       </p:sp>
@@ -4100,13 +4086,6 @@
   <p:clrMapOvr>
     <a:masterClrMapping/>
   </p:clrMapOvr>
-  <p:timing>
-    <p:tnLst>
-      <p:par>
-        <p:cTn id="1" dur="indefinite" restart="never" nodeType="tmRoot"/>
-      </p:par>
-    </p:tnLst>
-  </p:timing>
 </p:sld>
 </file>
 
@@ -4143,10 +4122,17 @@
           <a:lstStyle/>
           <a:p>
             <a:r>
-              <a:rPr lang="en-IN" dirty="0" smtClean="0"/>
-              <a:t>Example servlet</a:t>
-            </a:r>
-            <a:endParaRPr lang="en-IN" dirty="0"/>
+              <a:rPr lang="en-IN" dirty="0"/>
+              <a:t>Example servlet  (</a:t>
+            </a:r>
+            <a:r>
+              <a:rPr lang="en-IN" dirty="0" err="1"/>
+              <a:t>init</a:t>
+            </a:r>
+            <a:r>
+              <a:rPr lang="en-IN" dirty="0"/>
+              <a:t> method)</a:t>
+            </a:r>
           </a:p>
         </p:txBody>
       </p:sp>
@@ -4176,31 +4162,23 @@
               <a:buNone/>
             </a:pPr>
             <a:r>
-              <a:rPr lang="en-IN" sz="1600" dirty="0" smtClean="0"/>
-              <a:t>import </a:t>
-            </a:r>
-            <a:r>
-              <a:rPr lang="en-IN" sz="1600" dirty="0"/>
-              <a:t>java.io</a:t>
-            </a:r>
-            <a:r>
-              <a:rPr lang="en-IN" sz="1600" dirty="0" smtClean="0"/>
-              <a:t>.*; import </a:t>
-            </a:r>
-            <a:r>
-              <a:rPr lang="en-IN" sz="1600" dirty="0" err="1"/>
+              <a:rPr lang="en-IN" sz="3200" dirty="0"/>
+              <a:t>import java.io.*; import </a:t>
+            </a:r>
+            <a:r>
+              <a:rPr lang="en-IN" sz="3200" dirty="0" err="1"/>
               <a:t>javax.servlet</a:t>
             </a:r>
             <a:r>
-              <a:rPr lang="en-IN" sz="1600" dirty="0" smtClean="0"/>
+              <a:rPr lang="en-IN" sz="3200" dirty="0"/>
               <a:t>.*;import </a:t>
             </a:r>
             <a:r>
-              <a:rPr lang="en-IN" sz="1600" dirty="0" err="1"/>
+              <a:rPr lang="en-IN" sz="3200" dirty="0" err="1"/>
               <a:t>javax.servlet.http</a:t>
             </a:r>
             <a:r>
-              <a:rPr lang="en-IN" sz="1600" dirty="0"/>
+              <a:rPr lang="en-IN" sz="3200" dirty="0"/>
               <a:t>.*;</a:t>
             </a:r>
           </a:p>
@@ -4209,19 +4187,15 @@
               <a:buNone/>
             </a:pPr>
             <a:r>
-              <a:rPr lang="en-IN" sz="1600" dirty="0" smtClean="0"/>
-              <a:t>public </a:t>
-            </a:r>
-            <a:r>
-              <a:rPr lang="en-IN" sz="1600" dirty="0"/>
-              <a:t>class HelloWorld extends </a:t>
-            </a:r>
-            <a:r>
-              <a:rPr lang="en-IN" sz="1600" dirty="0" err="1"/>
+              <a:rPr lang="en-IN" sz="3200" dirty="0"/>
+              <a:t>public class HelloWorld extends </a:t>
+            </a:r>
+            <a:r>
+              <a:rPr lang="en-IN" sz="3200" dirty="0" err="1"/>
               <a:t>HttpServlet</a:t>
             </a:r>
             <a:r>
-              <a:rPr lang="en-IN" sz="1600" dirty="0"/>
+              <a:rPr lang="en-IN" sz="3200" dirty="0"/>
               <a:t> {</a:t>
             </a:r>
           </a:p>
@@ -4230,12 +4204,8 @@
               <a:buNone/>
             </a:pPr>
             <a:r>
-              <a:rPr lang="en-IN" sz="1600" dirty="0" smtClean="0"/>
-              <a:t>   </a:t>
-            </a:r>
-            <a:r>
-              <a:rPr lang="en-IN" sz="1600" dirty="0"/>
-              <a:t>private String message;</a:t>
+              <a:rPr lang="en-IN" sz="3200" dirty="0"/>
+              <a:t>   private String message;</a:t>
             </a:r>
           </a:p>
           <a:p>
@@ -4243,27 +4213,23 @@
               <a:buNone/>
             </a:pPr>
             <a:r>
-              <a:rPr lang="en-IN" sz="1600" dirty="0" smtClean="0"/>
-              <a:t>   </a:t>
-            </a:r>
-            <a:r>
-              <a:rPr lang="en-IN" sz="1600" dirty="0"/>
-              <a:t>public void </a:t>
-            </a:r>
-            <a:r>
-              <a:rPr lang="en-IN" sz="1600" dirty="0" err="1"/>
+              <a:rPr lang="en-IN" sz="3200" dirty="0"/>
+              <a:t>   public void </a:t>
+            </a:r>
+            <a:r>
+              <a:rPr lang="en-IN" sz="3200" dirty="0" err="1"/>
               <a:t>init</a:t>
             </a:r>
             <a:r>
-              <a:rPr lang="en-IN" sz="1600" dirty="0"/>
+              <a:rPr lang="en-IN" sz="3200" dirty="0"/>
               <a:t>() throws </a:t>
             </a:r>
             <a:r>
-              <a:rPr lang="en-IN" sz="1600" dirty="0" err="1"/>
+              <a:rPr lang="en-IN" sz="3200" dirty="0" err="1"/>
               <a:t>ServletException</a:t>
             </a:r>
             <a:r>
-              <a:rPr lang="en-IN" sz="1600" dirty="0"/>
+              <a:rPr lang="en-IN" sz="3200" dirty="0"/>
               <a:t> {</a:t>
             </a:r>
           </a:p>
@@ -4272,12 +4238,8 @@
               <a:buNone/>
             </a:pPr>
             <a:r>
-              <a:rPr lang="en-IN" sz="1600" dirty="0" smtClean="0"/>
-              <a:t>	message </a:t>
-            </a:r>
-            <a:r>
-              <a:rPr lang="en-IN" sz="1600" dirty="0"/>
-              <a:t>= "Hello World";</a:t>
+              <a:rPr lang="en-IN" sz="3200" dirty="0"/>
+              <a:t>	message = "Hello World";</a:t>
             </a:r>
           </a:p>
           <a:p>
@@ -4285,7 +4247,7 @@
               <a:buNone/>
             </a:pPr>
             <a:r>
-              <a:rPr lang="en-IN" sz="1600" dirty="0"/>
+              <a:rPr lang="en-IN" sz="3200" dirty="0"/>
               <a:t>   }</a:t>
             </a:r>
           </a:p>
@@ -4294,10 +4256,9 @@
               <a:buNone/>
             </a:pPr>
             <a:r>
-              <a:rPr lang="en-IN" sz="1600" dirty="0" smtClean="0"/>
+              <a:rPr lang="en-IN" sz="1600" dirty="0"/>
               <a:t> </a:t>
             </a:r>
-            <a:endParaRPr lang="en-IN" sz="1600" dirty="0"/>
           </a:p>
           <a:p>
             <a:pPr marL="0" indent="0">
@@ -4352,12 +4313,30 @@
         </p:nvSpPr>
         <p:spPr/>
         <p:txBody>
-          <a:bodyPr/>
+          <a:bodyPr>
+            <a:normAutofit fontScale="90000"/>
+          </a:bodyPr>
           <a:lstStyle/>
           <a:p>
             <a:r>
               <a:rPr lang="en-IN" dirty="0"/>
-              <a:t>Example servlet</a:t>
+              <a:t>Example servlet  (</a:t>
+            </a:r>
+            <a:r>
+              <a:rPr lang="en-IN" dirty="0" err="1"/>
+              <a:t>sevice</a:t>
+            </a:r>
+            <a:r>
+              <a:rPr lang="en-IN" dirty="0"/>
+              <a:t>/</a:t>
+            </a:r>
+            <a:r>
+              <a:rPr lang="en-IN" dirty="0" err="1"/>
+              <a:t>processRequest</a:t>
+            </a:r>
+            <a:r>
+              <a:rPr lang="en-IN" dirty="0"/>
+              <a:t>)</a:t>
             </a:r>
           </a:p>
         </p:txBody>
@@ -4715,8 +4694,13 @@
           <a:p>
             <a:r>
               <a:rPr lang="en-IN" dirty="0"/>
-              <a:t>Example servlet</a:t>
-            </a:r>
+              <a:t>Example servlet  </a:t>
+            </a:r>
+            <a:r>
+              <a:rPr lang="en-IN"/>
+              <a:t>(destroy)</a:t>
+            </a:r>
+            <a:endParaRPr lang="en-IN" dirty="0"/>
           </a:p>
         </p:txBody>
       </p:sp>
@@ -4819,10 +4803,9 @@
           <a:lstStyle/>
           <a:p>
             <a:r>
-              <a:rPr lang="en-IN" dirty="0" smtClean="0"/>
+              <a:rPr lang="en-IN" dirty="0"/>
               <a:t>Servlet Form</a:t>
             </a:r>
-            <a:endParaRPr lang="en-IN" dirty="0"/>
           </a:p>
         </p:txBody>
       </p:sp>
@@ -4865,11 +4848,7 @@
             <a:pPr lvl="1"/>
             <a:r>
               <a:rPr lang="en-IN" dirty="0"/>
-              <a:t>http://www.test.com/hello?key1 = value1&amp;key2 = </a:t>
-            </a:r>
-            <a:r>
-              <a:rPr lang="en-IN" dirty="0" smtClean="0"/>
-              <a:t>value2</a:t>
+              <a:t>http://www.test.com/hello?key1 = value1&amp;key2 = value2</a:t>
             </a:r>
           </a:p>
           <a:p>
@@ -4879,20 +4858,12 @@
               <a:t>http://localhost:8080/HelloForm?first_name = </a:t>
             </a:r>
             <a:r>
-              <a:rPr lang="en-IN" b="1" dirty="0" err="1" smtClean="0"/>
+              <a:rPr lang="en-IN" b="1" dirty="0" err="1"/>
               <a:t>VIT&amp;last_name</a:t>
             </a:r>
             <a:r>
-              <a:rPr lang="en-IN" b="1" dirty="0" smtClean="0"/>
-              <a:t> </a:t>
-            </a:r>
-            <a:r>
               <a:rPr lang="en-IN" b="1" dirty="0"/>
-              <a:t>= </a:t>
-            </a:r>
-            <a:r>
-              <a:rPr lang="en-IN" b="1" dirty="0" smtClean="0"/>
-              <a:t>UNIV</a:t>
+              <a:t> = UNIV</a:t>
             </a:r>
           </a:p>
           <a:p>
@@ -4961,10 +4932,9 @@
           <a:lstStyle/>
           <a:p>
             <a:r>
-              <a:rPr lang="en-IN" dirty="0" smtClean="0"/>
+              <a:rPr lang="en-IN" dirty="0"/>
               <a:t>Servlet form program</a:t>
             </a:r>
-            <a:endParaRPr lang="en-IN" dirty="0"/>
           </a:p>
         </p:txBody>
       </p:sp>
@@ -4994,12 +4964,8 @@
               <a:buNone/>
             </a:pPr>
             <a:r>
-              <a:rPr lang="en-IN" sz="1600" dirty="0" smtClean="0"/>
-              <a:t>import </a:t>
-            </a:r>
-            <a:r>
-              <a:rPr lang="en-IN" sz="1600" dirty="0"/>
-              <a:t>java.io.*;</a:t>
+              <a:rPr lang="en-IN" sz="1600" dirty="0"/>
+              <a:t>import java.io.*;</a:t>
             </a:r>
           </a:p>
           <a:p>
@@ -5041,12 +5007,8 @@
               <a:buNone/>
             </a:pPr>
             <a:r>
-              <a:rPr lang="en-IN" sz="1600" dirty="0" smtClean="0"/>
-              <a:t>public </a:t>
-            </a:r>
-            <a:r>
-              <a:rPr lang="en-IN" sz="1600" dirty="0"/>
-              <a:t>class </a:t>
+              <a:rPr lang="en-IN" sz="1600" dirty="0"/>
+              <a:t>public class </a:t>
             </a:r>
             <a:r>
               <a:rPr lang="en-IN" sz="1600" dirty="0" err="1"/>
@@ -5070,12 +5032,8 @@
               <a:buNone/>
             </a:pPr>
             <a:r>
-              <a:rPr lang="en-IN" sz="1600" dirty="0" smtClean="0"/>
-              <a:t> </a:t>
-            </a:r>
-            <a:r>
-              <a:rPr lang="en-IN" sz="1600" dirty="0"/>
-              <a:t>protected void </a:t>
+              <a:rPr lang="en-IN" sz="1600" dirty="0"/>
+              <a:t> protected void </a:t>
             </a:r>
             <a:r>
               <a:rPr lang="en-IN" sz="1600" dirty="0" err="1"/>
@@ -5176,7 +5134,6 @@
               <a:rPr lang="en-IN" sz="1600" dirty="0"/>
               <a:t>()) {</a:t>
             </a:r>
-            <a:endParaRPr lang="en-IN" sz="1600" dirty="0"/>
           </a:p>
           <a:p>
             <a:pPr marL="0" indent="0">
@@ -5201,11 +5158,7 @@
             </a:r>
             <a:r>
               <a:rPr lang="en-IN" sz="1600" dirty="0"/>
-              <a:t> </a:t>
-            </a:r>
-            <a:r>
-              <a:rPr lang="en-IN" sz="1600" dirty="0" smtClean="0"/>
-              <a:t>=</a:t>
+              <a:t> =</a:t>
             </a:r>
           </a:p>
           <a:p>
@@ -5213,7 +5166,7 @@
               <a:buNone/>
             </a:pPr>
             <a:r>
-              <a:rPr lang="en-IN" sz="1600" dirty="0" smtClean="0"/>
+              <a:rPr lang="en-IN" sz="1600" dirty="0"/>
               <a:t>"&lt;!</a:t>
             </a:r>
             <a:r>
@@ -5222,11 +5175,7 @@
             </a:r>
             <a:r>
               <a:rPr lang="en-IN" sz="1600" dirty="0"/>
-              <a:t> html </a:t>
-            </a:r>
-            <a:r>
-              <a:rPr lang="en-IN" sz="1600" dirty="0" smtClean="0"/>
-              <a:t>public</a:t>
+              <a:t> html public</a:t>
             </a:r>
           </a:p>
           <a:p>
@@ -5234,12 +5183,8 @@
               <a:buNone/>
             </a:pPr>
             <a:r>
-              <a:rPr lang="en-IN" sz="1600" dirty="0" smtClean="0"/>
-              <a:t> </a:t>
-            </a:r>
-            <a:r>
-              <a:rPr lang="en-IN" sz="1600" dirty="0"/>
-              <a:t>\"-//w3c//</a:t>
+              <a:rPr lang="en-IN" sz="1600" dirty="0"/>
+              <a:t> \"-//w3c//</a:t>
             </a:r>
             <a:r>
               <a:rPr lang="en-IN" sz="1600" dirty="0" err="1"/>
@@ -5255,13 +5200,8 @@
             </a:r>
             <a:r>
               <a:rPr lang="en-IN" sz="1600" dirty="0"/>
-              <a:t>\"&gt;\n</a:t>
-            </a:r>
-            <a:r>
-              <a:rPr lang="en-IN" sz="1600" dirty="0" smtClean="0"/>
-              <a:t>";</a:t>
-            </a:r>
-            <a:endParaRPr lang="en-IN" sz="1600" dirty="0"/>
+              <a:t>\"&gt;\n";</a:t>
+            </a:r>
           </a:p>
         </p:txBody>
       </p:sp>
@@ -5462,7 +5402,7 @@
               <a:buNone/>
             </a:pPr>
             <a:r>
-              <a:rPr lang="en-IN" sz="1600" dirty="0" smtClean="0"/>
+              <a:rPr lang="en-IN" sz="1600" dirty="0"/>
               <a:t>         </a:t>
             </a:r>
           </a:p>
@@ -5472,23 +5412,23 @@
               <a:buNone/>
             </a:pPr>
             <a:r>
-              <a:rPr lang="en-IN" sz="1600" dirty="0" smtClean="0"/>
+              <a:rPr lang="en-IN" sz="1600" dirty="0"/>
               <a:t>      </a:t>
             </a:r>
             <a:r>
-              <a:rPr lang="en-IN" sz="1600" dirty="0" err="1" smtClean="0"/>
+              <a:rPr lang="en-IN" sz="1600" dirty="0" err="1"/>
               <a:t>out.println</a:t>
             </a:r>
             <a:r>
-              <a:rPr lang="en-IN" sz="1600" dirty="0" smtClean="0"/>
+              <a:rPr lang="en-IN" sz="1600" dirty="0"/>
               <a:t>(</a:t>
             </a:r>
             <a:r>
-              <a:rPr lang="en-IN" sz="1600" dirty="0" err="1" smtClean="0"/>
+              <a:rPr lang="en-IN" sz="1600" dirty="0" err="1"/>
               <a:t>docType</a:t>
             </a:r>
             <a:r>
-              <a:rPr lang="en-IN" sz="1600" dirty="0" smtClean="0"/>
+              <a:rPr lang="en-IN" sz="1600" dirty="0"/>
               <a:t> +</a:t>
             </a:r>
           </a:p>
@@ -5498,7 +5438,7 @@
               <a:buNone/>
             </a:pPr>
             <a:r>
-              <a:rPr lang="en-IN" sz="1600" dirty="0" smtClean="0"/>
+              <a:rPr lang="en-IN" sz="1600" dirty="0"/>
               <a:t>         "&lt;html&gt;\n" +</a:t>
             </a:r>
           </a:p>
@@ -5508,7 +5448,7 @@
               <a:buNone/>
             </a:pPr>
             <a:r>
-              <a:rPr lang="en-IN" sz="1600" dirty="0" smtClean="0"/>
+              <a:rPr lang="en-IN" sz="1600" dirty="0"/>
               <a:t>            "&lt;head&gt;&lt;title&gt;" + title + "&lt;/title&gt;&lt;/head&gt;\n" +</a:t>
             </a:r>
           </a:p>
@@ -5518,15 +5458,15 @@
               <a:buNone/>
             </a:pPr>
             <a:r>
-              <a:rPr lang="en-IN" sz="1600" dirty="0" smtClean="0"/>
+              <a:rPr lang="en-IN" sz="1600" dirty="0"/>
               <a:t>            "&lt;body </a:t>
             </a:r>
             <a:r>
-              <a:rPr lang="en-IN" sz="1600" dirty="0" err="1" smtClean="0"/>
+              <a:rPr lang="en-IN" sz="1600" dirty="0" err="1"/>
               <a:t>bgcolor</a:t>
             </a:r>
             <a:r>
-              <a:rPr lang="en-IN" sz="1600" dirty="0" smtClean="0"/>
+              <a:rPr lang="en-IN" sz="1600" dirty="0"/>
               <a:t> = \"#f0f0f0\"&gt;\n" +</a:t>
             </a:r>
           </a:p>
@@ -5536,15 +5476,15 @@
               <a:buNone/>
             </a:pPr>
             <a:r>
-              <a:rPr lang="en-IN" sz="1600" dirty="0" smtClean="0"/>
+              <a:rPr lang="en-IN" sz="1600" dirty="0"/>
               <a:t>               "&lt;h1 align = \"</a:t>
             </a:r>
             <a:r>
-              <a:rPr lang="en-IN" sz="1600" dirty="0" err="1" smtClean="0"/>
+              <a:rPr lang="en-IN" sz="1600" dirty="0" err="1"/>
               <a:t>center</a:t>
             </a:r>
             <a:r>
-              <a:rPr lang="en-IN" sz="1600" dirty="0" smtClean="0"/>
+              <a:rPr lang="en-IN" sz="1600" dirty="0"/>
               <a:t>\"&gt;" + title + "&lt;/h1&gt;\n" +</a:t>
             </a:r>
           </a:p>
@@ -5554,15 +5494,15 @@
               <a:buNone/>
             </a:pPr>
             <a:r>
-              <a:rPr lang="en-IN" sz="1600" dirty="0" smtClean="0"/>
+              <a:rPr lang="en-IN" sz="1600" dirty="0"/>
               <a:t>               "&lt;</a:t>
             </a:r>
             <a:r>
-              <a:rPr lang="en-IN" sz="1600" dirty="0" err="1" smtClean="0"/>
+              <a:rPr lang="en-IN" sz="1600" dirty="0" err="1"/>
               <a:t>ul</a:t>
             </a:r>
             <a:r>
-              <a:rPr lang="en-IN" sz="1600" dirty="0" smtClean="0"/>
+              <a:rPr lang="en-IN" sz="1600" dirty="0"/>
               <a:t>&gt;\n" +</a:t>
             </a:r>
           </a:p>
@@ -5572,7 +5512,7 @@
               <a:buNone/>
             </a:pPr>
             <a:r>
-              <a:rPr lang="en-IN" sz="1600" dirty="0" smtClean="0"/>
+              <a:rPr lang="en-IN" sz="1600" dirty="0"/>
               <a:t>                  "  &lt;li&gt;&lt;b&gt;First Name&lt;/b&gt;: "</a:t>
             </a:r>
           </a:p>
@@ -5582,31 +5522,31 @@
               <a:buNone/>
             </a:pPr>
             <a:r>
-              <a:rPr lang="en-IN" sz="1600" dirty="0" smtClean="0"/>
+              <a:rPr lang="en-IN" sz="1600" dirty="0"/>
               <a:t>                  </a:t>
             </a:r>
             <a:r>
-              <a:rPr lang="en-IN" sz="1600" b="1" dirty="0" smtClean="0"/>
+              <a:rPr lang="en-IN" sz="1600" b="1" dirty="0"/>
               <a:t>+ </a:t>
             </a:r>
             <a:r>
-              <a:rPr lang="en-IN" sz="1600" b="1" dirty="0" err="1" smtClean="0"/>
+              <a:rPr lang="en-IN" sz="1600" b="1" dirty="0" err="1"/>
               <a:t>request.getParameter</a:t>
             </a:r>
             <a:r>
-              <a:rPr lang="en-IN" sz="1600" b="1" dirty="0" smtClean="0"/>
+              <a:rPr lang="en-IN" sz="1600" b="1" dirty="0"/>
               <a:t>("</a:t>
             </a:r>
             <a:r>
-              <a:rPr lang="en-IN" sz="1600" b="1" dirty="0" err="1" smtClean="0"/>
+              <a:rPr lang="en-IN" sz="1600" b="1" dirty="0" err="1"/>
               <a:t>first_name</a:t>
             </a:r>
             <a:r>
-              <a:rPr lang="en-IN" sz="1600" b="1" dirty="0" smtClean="0"/>
+              <a:rPr lang="en-IN" sz="1600" b="1" dirty="0"/>
               <a:t>") </a:t>
             </a:r>
             <a:r>
-              <a:rPr lang="en-IN" sz="1600" dirty="0" smtClean="0"/>
+              <a:rPr lang="en-IN" sz="1600" dirty="0"/>
               <a:t>+ "\n" +</a:t>
             </a:r>
           </a:p>
@@ -5616,7 +5556,7 @@
               <a:buNone/>
             </a:pPr>
             <a:r>
-              <a:rPr lang="en-IN" sz="1600" dirty="0" smtClean="0"/>
+              <a:rPr lang="en-IN" sz="1600" dirty="0"/>
               <a:t>                  "  &lt;li&gt;&lt;b&gt;Last Name&lt;/b&gt;: "</a:t>
             </a:r>
           </a:p>
@@ -5626,31 +5566,31 @@
               <a:buNone/>
             </a:pPr>
             <a:r>
-              <a:rPr lang="en-IN" sz="1600" dirty="0" smtClean="0"/>
+              <a:rPr lang="en-IN" sz="1600" dirty="0"/>
               <a:t>                  </a:t>
             </a:r>
             <a:r>
-              <a:rPr lang="en-IN" sz="1600" b="1" dirty="0" smtClean="0"/>
+              <a:rPr lang="en-IN" sz="1600" b="1" dirty="0"/>
               <a:t>+ </a:t>
             </a:r>
             <a:r>
-              <a:rPr lang="en-IN" sz="1600" b="1" dirty="0" err="1" smtClean="0"/>
+              <a:rPr lang="en-IN" sz="1600" b="1" dirty="0" err="1"/>
               <a:t>request.getParameter</a:t>
             </a:r>
             <a:r>
-              <a:rPr lang="en-IN" sz="1600" b="1" dirty="0" smtClean="0"/>
+              <a:rPr lang="en-IN" sz="1600" b="1" dirty="0"/>
               <a:t>("</a:t>
             </a:r>
             <a:r>
-              <a:rPr lang="en-IN" sz="1600" b="1" dirty="0" err="1" smtClean="0"/>
+              <a:rPr lang="en-IN" sz="1600" b="1" dirty="0" err="1"/>
               <a:t>last_name</a:t>
             </a:r>
             <a:r>
-              <a:rPr lang="en-IN" sz="1600" b="1" dirty="0" smtClean="0"/>
+              <a:rPr lang="en-IN" sz="1600" b="1" dirty="0"/>
               <a:t>") </a:t>
             </a:r>
             <a:r>
-              <a:rPr lang="en-IN" sz="1600" dirty="0" smtClean="0"/>
+              <a:rPr lang="en-IN" sz="1600" dirty="0"/>
               <a:t>+ "\n" +</a:t>
             </a:r>
           </a:p>
@@ -5660,15 +5600,15 @@
               <a:buNone/>
             </a:pPr>
             <a:r>
-              <a:rPr lang="en-IN" sz="1600" dirty="0" smtClean="0"/>
+              <a:rPr lang="en-IN" sz="1600" dirty="0"/>
               <a:t>               "&lt;/</a:t>
             </a:r>
             <a:r>
-              <a:rPr lang="en-IN" sz="1600" dirty="0" err="1" smtClean="0"/>
+              <a:rPr lang="en-IN" sz="1600" dirty="0" err="1"/>
               <a:t>ul</a:t>
             </a:r>
             <a:r>
-              <a:rPr lang="en-IN" sz="1600" dirty="0" smtClean="0"/>
+              <a:rPr lang="en-IN" sz="1600" dirty="0"/>
               <a:t>&gt;\n" +</a:t>
             </a:r>
           </a:p>
@@ -5678,7 +5618,7 @@
               <a:buNone/>
             </a:pPr>
             <a:r>
-              <a:rPr lang="en-IN" sz="1600" dirty="0" smtClean="0"/>
+              <a:rPr lang="en-IN" sz="1600" dirty="0"/>
               <a:t>            "&lt;/body&gt;</a:t>
             </a:r>
           </a:p>
@@ -5688,7 +5628,7 @@
               <a:buNone/>
             </a:pPr>
             <a:r>
-              <a:rPr lang="en-IN" sz="1600" dirty="0" smtClean="0"/>
+              <a:rPr lang="en-IN" sz="1600" dirty="0"/>
               <a:t>         &lt;/html&gt;"</a:t>
             </a:r>
           </a:p>
@@ -5698,7 +5638,7 @@
               <a:buNone/>
             </a:pPr>
             <a:r>
-              <a:rPr lang="en-IN" sz="1600" dirty="0" smtClean="0"/>
+              <a:rPr lang="en-IN" sz="1600" dirty="0"/>
               <a:t>      );</a:t>
             </a:r>
           </a:p>
@@ -5708,7 +5648,7 @@
               <a:buNone/>
             </a:pPr>
             <a:r>
-              <a:rPr lang="en-IN" sz="1600" dirty="0" smtClean="0"/>
+              <a:rPr lang="en-IN" sz="1600" dirty="0"/>
               <a:t>   }</a:t>
             </a:r>
           </a:p>
@@ -5718,10 +5658,9 @@
               <a:buNone/>
             </a:pPr>
             <a:r>
-              <a:rPr lang="en-IN" sz="1600" dirty="0" smtClean="0"/>
+              <a:rPr lang="en-IN" sz="1600" dirty="0"/>
               <a:t>}</a:t>
             </a:r>
-            <a:endParaRPr lang="en-IN" sz="1600" dirty="0"/>
           </a:p>
         </p:txBody>
       </p:sp>
@@ -5778,10 +5717,9 @@
           <a:lstStyle/>
           <a:p>
             <a:r>
-              <a:rPr lang="en-IN" dirty="0" smtClean="0"/>
+              <a:rPr lang="en-IN" dirty="0"/>
               <a:t>Servlets</a:t>
             </a:r>
-            <a:endParaRPr lang="en-IN" dirty="0"/>
           </a:p>
         </p:txBody>
       </p:sp>
@@ -5809,11 +5747,7 @@
           <a:p>
             <a:r>
               <a:rPr lang="en-IN" sz="2000" dirty="0"/>
-              <a:t>Java Servlets are programs that run on a Web or Application server and act as a middle layer between a requests coming from a Web browser or other HTTP client and databases or applications on the HTTP server</a:t>
-            </a:r>
-            <a:r>
-              <a:rPr lang="en-IN" sz="2000" dirty="0" smtClean="0"/>
-              <a:t>.</a:t>
+              <a:t>Java Servlets are programs that run on a Web or Application server and act as a middle layer between a requests coming from a Web browser or other HTTP client and databases or applications on the HTTP server.</a:t>
             </a:r>
           </a:p>
           <a:p>
@@ -5878,13 +5812,6 @@
   <p:clrMapOvr>
     <a:masterClrMapping/>
   </p:clrMapOvr>
-  <p:timing>
-    <p:tnLst>
-      <p:par>
-        <p:cTn id="1" dur="indefinite" restart="never" nodeType="tmRoot"/>
-      </p:par>
-    </p:tnLst>
-  </p:timing>
 </p:sld>
 </file>
 
@@ -5928,10 +5855,9 @@
           <a:lstStyle/>
           <a:p>
             <a:r>
-              <a:rPr lang="en-IN" dirty="0" smtClean="0"/>
+              <a:rPr lang="en-IN" dirty="0"/>
               <a:t>Servlet vs CGI(Common gateway Interface)</a:t>
             </a:r>
-            <a:endParaRPr lang="en-IN" dirty="0"/>
           </a:p>
         </p:txBody>
       </p:sp>
@@ -6082,10 +6008,9 @@
           <a:lstStyle/>
           <a:p>
             <a:r>
-              <a:rPr lang="en-IN" dirty="0" smtClean="0"/>
+              <a:rPr lang="en-IN" dirty="0"/>
               <a:t>Servlet Life Cycle</a:t>
             </a:r>
-            <a:endParaRPr lang="en-IN" dirty="0"/>
           </a:p>
         </p:txBody>
       </p:sp>
@@ -6228,11 +6153,7 @@
             </a:r>
             <a:r>
               <a:rPr lang="en-IN" dirty="0"/>
-              <a:t>() </a:t>
-            </a:r>
-            <a:r>
-              <a:rPr lang="en-IN" dirty="0" smtClean="0"/>
-              <a:t>Method</a:t>
+              <a:t>() Method</a:t>
             </a:r>
           </a:p>
           <a:p>
@@ -6270,13 +6191,9 @@
             </a:r>
             <a:r>
               <a:rPr lang="en-IN" i="1" dirty="0"/>
-              <a:t> { // Initialization code... </a:t>
-            </a:r>
-            <a:r>
-              <a:rPr lang="en-IN" i="1" dirty="0" smtClean="0"/>
-              <a:t>}</a:t>
-            </a:r>
-            <a:endParaRPr lang="en-IN" dirty="0" smtClean="0"/>
+              <a:t> { // Initialization code... }</a:t>
+            </a:r>
+            <a:endParaRPr lang="en-IN" dirty="0"/>
           </a:p>
           <a:p>
             <a:r>
@@ -6288,11 +6205,7 @@
             <a:pPr lvl="1"/>
             <a:r>
               <a:rPr lang="en-IN" dirty="0"/>
-              <a:t>The servlet container (i.e. web server) calls the service() method to handle requests coming from the client( browsers) and to write the formatted response back to the client</a:t>
-            </a:r>
-            <a:r>
-              <a:rPr lang="en-IN" dirty="0" smtClean="0"/>
-              <a:t>.</a:t>
+              <a:t>The servlet container (i.e. web server) calls the service() method to handle requests coming from the client( browsers) and to write the formatted response back to the client.</a:t>
             </a:r>
           </a:p>
           <a:p>
@@ -6331,11 +6244,7 @@
             </a:r>
             <a:r>
               <a:rPr lang="en-IN" dirty="0"/>
-              <a:t>, etc. methods as appropriate</a:t>
-            </a:r>
-            <a:r>
-              <a:rPr lang="en-IN" dirty="0" smtClean="0"/>
-              <a:t>.</a:t>
+              <a:t>, etc. methods as appropriate.</a:t>
             </a:r>
           </a:p>
           <a:p>
@@ -6376,7 +6285,6 @@
               <a:rPr lang="en-IN" i="1" dirty="0"/>
               <a:t> { }</a:t>
             </a:r>
-            <a:endParaRPr lang="en-IN" i="1" dirty="0" smtClean="0"/>
           </a:p>
         </p:txBody>
       </p:sp>
@@ -6464,11 +6372,7 @@
             </a:r>
             <a:r>
               <a:rPr lang="en-IN" dirty="0"/>
-              <a:t> activities</a:t>
-            </a:r>
-            <a:r>
-              <a:rPr lang="en-IN" dirty="0" smtClean="0"/>
-              <a:t>.</a:t>
+              <a:t> activities.</a:t>
             </a:r>
           </a:p>
           <a:p>
@@ -6534,13 +6438,8 @@
           <a:p>
             <a:r>
               <a:rPr lang="en-IN" dirty="0"/>
-              <a:t>Servlet </a:t>
-            </a:r>
-            <a:r>
-              <a:rPr lang="en-IN" dirty="0" smtClean="0"/>
-              <a:t>API</a:t>
-            </a:r>
-            <a:endParaRPr lang="en-IN" dirty="0"/>
+              <a:t>Servlet API</a:t>
+            </a:r>
           </a:p>
         </p:txBody>
       </p:sp>
@@ -6622,8 +6521,20 @@
                 <a:tableStyleId>{69C7853C-536D-4A76-A0AE-DD22124D55A5}</a:tableStyleId>
               </a:tblPr>
               <a:tblGrid>
-                <a:gridCol w="4561174"/>
-                <a:gridCol w="4201826"/>
+                <a:gridCol w="4561174">
+                  <a:extLst>
+                    <a:ext uri="{9D8B030D-6E8A-4147-A177-3AD203B41FA5}">
+                      <a16:colId xmlns:a16="http://schemas.microsoft.com/office/drawing/2014/main" val="20000"/>
+                    </a:ext>
+                  </a:extLst>
+                </a:gridCol>
+                <a:gridCol w="4201826">
+                  <a:extLst>
+                    <a:ext uri="{9D8B030D-6E8A-4147-A177-3AD203B41FA5}">
+                      <a16:colId xmlns:a16="http://schemas.microsoft.com/office/drawing/2014/main" val="20001"/>
+                    </a:ext>
+                  </a:extLst>
+                </a:gridCol>
               </a:tblGrid>
               <a:tr h="605538">
                 <a:tc>
@@ -6632,23 +6543,17 @@
                     <a:lstStyle/>
                     <a:p>
                       <a:pPr algn="just" fontAlgn="ctr"/>
-                      <a:endParaRPr lang="en-IN" sz="2000" b="1" u="none" strike="noStrike" dirty="0" smtClean="0">
+                      <a:endParaRPr lang="en-IN" sz="2000" b="1" u="none" strike="noStrike" dirty="0">
                         <a:effectLst/>
                       </a:endParaRPr>
                     </a:p>
                     <a:p>
                       <a:pPr algn="just" fontAlgn="ctr"/>
                       <a:r>
-                        <a:rPr lang="en-IN" sz="2000" b="1" u="none" strike="noStrike" dirty="0" smtClean="0">
-                          <a:effectLst/>
-                        </a:rPr>
-                        <a:t>Interfaces </a:t>
-                      </a:r>
-                      <a:r>
                         <a:rPr lang="en-IN" sz="2000" b="1" u="none" strike="noStrike" dirty="0">
                           <a:effectLst/>
                         </a:rPr>
-                        <a:t>in </a:t>
+                        <a:t>Interfaces in </a:t>
                       </a:r>
                       <a:r>
                         <a:rPr lang="en-IN" sz="2000" b="1" u="none" strike="noStrike" dirty="0" err="1">
@@ -6686,23 +6591,17 @@
                     <a:lstStyle/>
                     <a:p>
                       <a:pPr algn="l" fontAlgn="t"/>
-                      <a:endParaRPr lang="en-IN" sz="2000" b="1" u="none" strike="noStrike" dirty="0" smtClean="0">
+                      <a:endParaRPr lang="en-IN" sz="2000" b="1" u="none" strike="noStrike" dirty="0">
                         <a:effectLst/>
                       </a:endParaRPr>
                     </a:p>
                     <a:p>
                       <a:pPr algn="l" fontAlgn="t"/>
                       <a:r>
-                        <a:rPr lang="en-IN" sz="2000" b="1" u="none" strike="noStrike" dirty="0" smtClean="0">
-                          <a:effectLst/>
-                        </a:rPr>
-                        <a:t>Classes </a:t>
-                      </a:r>
-                      <a:r>
                         <a:rPr lang="en-IN" sz="2000" b="1" u="none" strike="noStrike" dirty="0">
                           <a:effectLst/>
                         </a:rPr>
-                        <a:t>in </a:t>
+                        <a:t>Classes in </a:t>
                       </a:r>
                       <a:r>
                         <a:rPr lang="en-IN" sz="2000" b="1" u="none" strike="noStrike" dirty="0" err="1">
@@ -6734,6 +6633,11 @@
                     </a:solidFill>
                   </a:tcPr>
                 </a:tc>
+                <a:extLst>
+                  <a:ext uri="{0D108BD9-81ED-4DB2-BD59-A6C34878D82A}">
+                    <a16:rowId xmlns:a16="http://schemas.microsoft.com/office/drawing/2014/main" val="10000"/>
+                  </a:ext>
+                </a:extLst>
               </a:tr>
               <a:tr h="307733">
                 <a:tc>
@@ -6782,6 +6686,11 @@
                   </a:txBody>
                   <a:tcPr marL="7531" marR="7531" marT="7531" marB="0" anchor="ctr"/>
                 </a:tc>
+                <a:extLst>
+                  <a:ext uri="{0D108BD9-81ED-4DB2-BD59-A6C34878D82A}">
+                    <a16:rowId xmlns:a16="http://schemas.microsoft.com/office/drawing/2014/main" val="10001"/>
+                  </a:ext>
+                </a:extLst>
               </a:tr>
               <a:tr h="307733">
                 <a:tc>
@@ -6830,6 +6739,11 @@
                   </a:txBody>
                   <a:tcPr marL="7531" marR="7531" marT="7531" marB="0" anchor="ctr"/>
                 </a:tc>
+                <a:extLst>
+                  <a:ext uri="{0D108BD9-81ED-4DB2-BD59-A6C34878D82A}">
+                    <a16:rowId xmlns:a16="http://schemas.microsoft.com/office/drawing/2014/main" val="10002"/>
+                  </a:ext>
+                </a:extLst>
               </a:tr>
               <a:tr h="307733">
                 <a:tc>
@@ -6878,6 +6792,11 @@
                   </a:txBody>
                   <a:tcPr marL="7531" marR="7531" marT="7531" marB="0" anchor="ctr"/>
                 </a:tc>
+                <a:extLst>
+                  <a:ext uri="{0D108BD9-81ED-4DB2-BD59-A6C34878D82A}">
+                    <a16:rowId xmlns:a16="http://schemas.microsoft.com/office/drawing/2014/main" val="10003"/>
+                  </a:ext>
+                </a:extLst>
               </a:tr>
               <a:tr h="307733">
                 <a:tc>
@@ -6932,6 +6851,11 @@
                   </a:txBody>
                   <a:tcPr marL="7531" marR="7531" marT="7531" marB="0" anchor="ctr"/>
                 </a:tc>
+                <a:extLst>
+                  <a:ext uri="{0D108BD9-81ED-4DB2-BD59-A6C34878D82A}">
+                    <a16:rowId xmlns:a16="http://schemas.microsoft.com/office/drawing/2014/main" val="10004"/>
+                  </a:ext>
+                </a:extLst>
               </a:tr>
               <a:tr h="307733">
                 <a:tc>
@@ -6986,6 +6910,11 @@
                   </a:txBody>
                   <a:tcPr marL="7531" marR="7531" marT="7531" marB="0" anchor="ctr"/>
                 </a:tc>
+                <a:extLst>
+                  <a:ext uri="{0D108BD9-81ED-4DB2-BD59-A6C34878D82A}">
+                    <a16:rowId xmlns:a16="http://schemas.microsoft.com/office/drawing/2014/main" val="10005"/>
+                  </a:ext>
+                </a:extLst>
               </a:tr>
               <a:tr h="307733">
                 <a:tc>
@@ -7034,6 +6963,11 @@
                   </a:txBody>
                   <a:tcPr marL="7531" marR="7531" marT="7531" marB="0" anchor="ctr"/>
                 </a:tc>
+                <a:extLst>
+                  <a:ext uri="{0D108BD9-81ED-4DB2-BD59-A6C34878D82A}">
+                    <a16:rowId xmlns:a16="http://schemas.microsoft.com/office/drawing/2014/main" val="10006"/>
+                  </a:ext>
+                </a:extLst>
               </a:tr>
               <a:tr h="307733">
                 <a:tc>
@@ -7082,6 +7016,11 @@
                   </a:txBody>
                   <a:tcPr marL="7531" marR="7531" marT="7531" marB="0" anchor="ctr"/>
                 </a:tc>
+                <a:extLst>
+                  <a:ext uri="{0D108BD9-81ED-4DB2-BD59-A6C34878D82A}">
+                    <a16:rowId xmlns:a16="http://schemas.microsoft.com/office/drawing/2014/main" val="10007"/>
+                  </a:ext>
+                </a:extLst>
               </a:tr>
               <a:tr h="307733">
                 <a:tc>
@@ -7130,6 +7069,11 @@
                   </a:txBody>
                   <a:tcPr marL="7531" marR="7531" marT="7531" marB="0" anchor="ctr"/>
                 </a:tc>
+                <a:extLst>
+                  <a:ext uri="{0D108BD9-81ED-4DB2-BD59-A6C34878D82A}">
+                    <a16:rowId xmlns:a16="http://schemas.microsoft.com/office/drawing/2014/main" val="10008"/>
+                  </a:ext>
+                </a:extLst>
               </a:tr>
               <a:tr h="307733">
                 <a:tc>
@@ -7178,6 +7122,11 @@
                   </a:txBody>
                   <a:tcPr marL="7531" marR="7531" marT="7531" marB="0" anchor="ctr"/>
                 </a:tc>
+                <a:extLst>
+                  <a:ext uri="{0D108BD9-81ED-4DB2-BD59-A6C34878D82A}">
+                    <a16:rowId xmlns:a16="http://schemas.microsoft.com/office/drawing/2014/main" val="10009"/>
+                  </a:ext>
+                </a:extLst>
               </a:tr>
               <a:tr h="307733">
                 <a:tc>
@@ -7226,6 +7175,11 @@
                   </a:txBody>
                   <a:tcPr marL="7531" marR="7531" marT="7531" marB="0" anchor="ctr"/>
                 </a:tc>
+                <a:extLst>
+                  <a:ext uri="{0D108BD9-81ED-4DB2-BD59-A6C34878D82A}">
+                    <a16:rowId xmlns:a16="http://schemas.microsoft.com/office/drawing/2014/main" val="10010"/>
+                  </a:ext>
+                </a:extLst>
               </a:tr>
               <a:tr h="307733">
                 <a:tc>
@@ -7274,6 +7228,11 @@
                   </a:txBody>
                   <a:tcPr marL="7531" marR="7531" marT="7531" marB="0" anchor="ctr"/>
                 </a:tc>
+                <a:extLst>
+                  <a:ext uri="{0D108BD9-81ED-4DB2-BD59-A6C34878D82A}">
+                    <a16:rowId xmlns:a16="http://schemas.microsoft.com/office/drawing/2014/main" val="10011"/>
+                  </a:ext>
+                </a:extLst>
               </a:tr>
               <a:tr h="493400">
                 <a:tc>
@@ -7316,6 +7275,11 @@
                   </a:txBody>
                   <a:tcPr marL="7531" marR="7531" marT="7531" marB="0" anchor="b"/>
                 </a:tc>
+                <a:extLst>
+                  <a:ext uri="{0D108BD9-81ED-4DB2-BD59-A6C34878D82A}">
+                    <a16:rowId xmlns:a16="http://schemas.microsoft.com/office/drawing/2014/main" val="10012"/>
+                  </a:ext>
+                </a:extLst>
               </a:tr>
               <a:tr h="307733">
                 <a:tc>
@@ -7358,6 +7322,11 @@
                   </a:txBody>
                   <a:tcPr marL="7531" marR="7531" marT="7531" marB="0" anchor="b"/>
                 </a:tc>
+                <a:extLst>
+                  <a:ext uri="{0D108BD9-81ED-4DB2-BD59-A6C34878D82A}">
+                    <a16:rowId xmlns:a16="http://schemas.microsoft.com/office/drawing/2014/main" val="10013"/>
+                  </a:ext>
+                </a:extLst>
               </a:tr>
               <a:tr h="307733">
                 <a:tc>
@@ -7400,6 +7369,11 @@
                   </a:txBody>
                   <a:tcPr marL="7531" marR="7531" marT="7531" marB="0" anchor="b"/>
                 </a:tc>
+                <a:extLst>
+                  <a:ext uri="{0D108BD9-81ED-4DB2-BD59-A6C34878D82A}">
+                    <a16:rowId xmlns:a16="http://schemas.microsoft.com/office/drawing/2014/main" val="10014"/>
+                  </a:ext>
+                </a:extLst>
               </a:tr>
             </a:tbl>
           </a:graphicData>
@@ -7484,8 +7458,20 @@
                 <a:tableStyleId>{5C22544A-7EE6-4342-B048-85BDC9FD1C3A}</a:tableStyleId>
               </a:tblPr>
               <a:tblGrid>
-                <a:gridCol w="4343400"/>
-                <a:gridCol w="4419600"/>
+                <a:gridCol w="4343400">
+                  <a:extLst>
+                    <a:ext uri="{9D8B030D-6E8A-4147-A177-3AD203B41FA5}">
+                      <a16:colId xmlns:a16="http://schemas.microsoft.com/office/drawing/2014/main" val="20000"/>
+                    </a:ext>
+                  </a:extLst>
+                </a:gridCol>
+                <a:gridCol w="4419600">
+                  <a:extLst>
+                    <a:ext uri="{9D8B030D-6E8A-4147-A177-3AD203B41FA5}">
+                      <a16:colId xmlns:a16="http://schemas.microsoft.com/office/drawing/2014/main" val="20001"/>
+                    </a:ext>
+                  </a:extLst>
+                </a:gridCol>
               </a:tblGrid>
               <a:tr h="438561">
                 <a:tc>
@@ -7494,23 +7480,17 @@
                     <a:lstStyle/>
                     <a:p>
                       <a:pPr algn="just" fontAlgn="ctr"/>
-                      <a:endParaRPr lang="en-IN" sz="2000" b="1" u="none" strike="noStrike" dirty="0" smtClean="0">
+                      <a:endParaRPr lang="en-IN" sz="2000" b="1" u="none" strike="noStrike" dirty="0">
                         <a:effectLst/>
                       </a:endParaRPr>
                     </a:p>
                     <a:p>
                       <a:pPr algn="just" fontAlgn="ctr"/>
                       <a:r>
-                        <a:rPr lang="en-IN" sz="2000" b="1" u="none" strike="noStrike" dirty="0" smtClean="0">
-                          <a:effectLst/>
-                        </a:rPr>
-                        <a:t>Interfaces </a:t>
-                      </a:r>
-                      <a:r>
                         <a:rPr lang="en-IN" sz="2000" b="1" u="none" strike="noStrike" dirty="0">
                           <a:effectLst/>
                         </a:rPr>
-                        <a:t>in </a:t>
+                        <a:t>Interfaces in </a:t>
                       </a:r>
                       <a:r>
                         <a:rPr lang="en-IN" sz="2000" b="1" u="none" strike="noStrike" dirty="0" err="1">
@@ -7548,23 +7528,17 @@
                     <a:lstStyle/>
                     <a:p>
                       <a:pPr algn="l" fontAlgn="t"/>
-                      <a:endParaRPr lang="en-IN" sz="2000" b="1" u="none" strike="noStrike" dirty="0" smtClean="0">
+                      <a:endParaRPr lang="en-IN" sz="2000" b="1" u="none" strike="noStrike" dirty="0">
                         <a:effectLst/>
                       </a:endParaRPr>
                     </a:p>
                     <a:p>
                       <a:pPr algn="l" fontAlgn="t"/>
                       <a:r>
-                        <a:rPr lang="en-IN" sz="2000" b="1" u="none" strike="noStrike" dirty="0" smtClean="0">
-                          <a:effectLst/>
-                        </a:rPr>
-                        <a:t>Classes </a:t>
-                      </a:r>
-                      <a:r>
                         <a:rPr lang="en-IN" sz="2000" b="1" u="none" strike="noStrike" dirty="0">
                           <a:effectLst/>
                         </a:rPr>
-                        <a:t>in </a:t>
+                        <a:t>Classes in </a:t>
                       </a:r>
                       <a:r>
                         <a:rPr lang="en-IN" sz="2000" b="1" u="none" strike="noStrike" dirty="0" err="1">
@@ -7596,6 +7570,11 @@
                     </a:solidFill>
                   </a:tcPr>
                 </a:tc>
+                <a:extLst>
+                  <a:ext uri="{0D108BD9-81ED-4DB2-BD59-A6C34878D82A}">
+                    <a16:rowId xmlns:a16="http://schemas.microsoft.com/office/drawing/2014/main" val="10000"/>
+                  </a:ext>
+                </a:extLst>
               </a:tr>
               <a:tr h="427597">
                 <a:tc>
@@ -7644,6 +7623,11 @@
                   </a:txBody>
                   <a:tcPr marL="3655" marR="3655" marT="3655" marB="0" anchor="ctr"/>
                 </a:tc>
+                <a:extLst>
+                  <a:ext uri="{0D108BD9-81ED-4DB2-BD59-A6C34878D82A}">
+                    <a16:rowId xmlns:a16="http://schemas.microsoft.com/office/drawing/2014/main" val="10001"/>
+                  </a:ext>
+                </a:extLst>
               </a:tr>
               <a:tr h="427597">
                 <a:tc>
@@ -7692,6 +7676,11 @@
                   </a:txBody>
                   <a:tcPr marL="3655" marR="3655" marT="3655" marB="0" anchor="ctr"/>
                 </a:tc>
+                <a:extLst>
+                  <a:ext uri="{0D108BD9-81ED-4DB2-BD59-A6C34878D82A}">
+                    <a16:rowId xmlns:a16="http://schemas.microsoft.com/office/drawing/2014/main" val="10002"/>
+                  </a:ext>
+                </a:extLst>
               </a:tr>
               <a:tr h="570129">
                 <a:tc>
@@ -7740,6 +7729,11 @@
                   </a:txBody>
                   <a:tcPr marL="3655" marR="3655" marT="3655" marB="0" anchor="ctr"/>
                 </a:tc>
+                <a:extLst>
+                  <a:ext uri="{0D108BD9-81ED-4DB2-BD59-A6C34878D82A}">
+                    <a16:rowId xmlns:a16="http://schemas.microsoft.com/office/drawing/2014/main" val="10003"/>
+                  </a:ext>
+                </a:extLst>
               </a:tr>
               <a:tr h="570129">
                 <a:tc>
@@ -7788,6 +7782,11 @@
                   </a:txBody>
                   <a:tcPr marL="3655" marR="3655" marT="3655" marB="0" anchor="ctr"/>
                 </a:tc>
+                <a:extLst>
+                  <a:ext uri="{0D108BD9-81ED-4DB2-BD59-A6C34878D82A}">
+                    <a16:rowId xmlns:a16="http://schemas.microsoft.com/office/drawing/2014/main" val="10004"/>
+                  </a:ext>
+                </a:extLst>
               </a:tr>
               <a:tr h="427597">
                 <a:tc>
@@ -7842,6 +7841,11 @@
                   </a:txBody>
                   <a:tcPr marL="3655" marR="3655" marT="3655" marB="0" anchor="ctr"/>
                 </a:tc>
+                <a:extLst>
+                  <a:ext uri="{0D108BD9-81ED-4DB2-BD59-A6C34878D82A}">
+                    <a16:rowId xmlns:a16="http://schemas.microsoft.com/office/drawing/2014/main" val="10005"/>
+                  </a:ext>
+                </a:extLst>
               </a:tr>
               <a:tr h="570129">
                 <a:tc>
@@ -7890,6 +7894,11 @@
                   </a:txBody>
                   <a:tcPr marL="3655" marR="3655" marT="3655" marB="0" anchor="ctr"/>
                 </a:tc>
+                <a:extLst>
+                  <a:ext uri="{0D108BD9-81ED-4DB2-BD59-A6C34878D82A}">
+                    <a16:rowId xmlns:a16="http://schemas.microsoft.com/office/drawing/2014/main" val="10006"/>
+                  </a:ext>
+                </a:extLst>
               </a:tr>
               <a:tr h="427597">
                 <a:tc>
@@ -7938,6 +7947,11 @@
                   </a:txBody>
                   <a:tcPr marL="3655" marR="3655" marT="3655" marB="0" anchor="ctr"/>
                 </a:tc>
+                <a:extLst>
+                  <a:ext uri="{0D108BD9-81ED-4DB2-BD59-A6C34878D82A}">
+                    <a16:rowId xmlns:a16="http://schemas.microsoft.com/office/drawing/2014/main" val="10007"/>
+                  </a:ext>
+                </a:extLst>
               </a:tr>
               <a:tr h="712662">
                 <a:tc>
@@ -7980,6 +7994,11 @@
                   </a:txBody>
                   <a:tcPr marL="3655" marR="3655" marT="3655" marB="0" anchor="b"/>
                 </a:tc>
+                <a:extLst>
+                  <a:ext uri="{0D108BD9-81ED-4DB2-BD59-A6C34878D82A}">
+                    <a16:rowId xmlns:a16="http://schemas.microsoft.com/office/drawing/2014/main" val="10008"/>
+                  </a:ext>
+                </a:extLst>
               </a:tr>
             </a:tbl>
           </a:graphicData>
@@ -8031,10 +8050,9 @@
           <a:lstStyle/>
           <a:p>
             <a:r>
-              <a:rPr lang="en-IN" dirty="0" smtClean="0"/>
+              <a:rPr lang="en-IN" dirty="0"/>
               <a:t>Servlet creation</a:t>
             </a:r>
-            <a:endParaRPr lang="en-IN" dirty="0"/>
           </a:p>
         </p:txBody>
       </p:sp>
@@ -8059,12 +8077,8 @@
           <a:lstStyle/>
           <a:p>
             <a:r>
-              <a:rPr lang="en-IN" dirty="0" smtClean="0"/>
-              <a:t>The  </a:t>
-            </a:r>
-            <a:r>
               <a:rPr lang="en-IN" dirty="0"/>
-              <a:t>servlet example can be created by three ways:</a:t>
+              <a:t>The  servlet example can be created by three ways:</a:t>
             </a:r>
           </a:p>
           <a:p>
